--- a/CYB-525/Topic 7/Cloud Computing RCoon.pptx
+++ b/CYB-525/Topic 7/Cloud Computing RCoon.pptx
@@ -377,7 +377,7 @@
           <a:p>
             <a:fld id="{83433F7E-3633-4FA3-974D-CA21FB24834F}" type="datetimeFigureOut">
               <a:rPr lang="en-US" smtClean="0"/>
-              <a:t>1/1/2025</a:t>
+              <a:t>1/2/2025</a:t>
             </a:fld>
             <a:endParaRPr lang="en-US"/>
           </a:p>
@@ -554,7 +554,7 @@
           <a:p>
             <a:fld id="{D945F7B4-7442-4021-9F1E-8BC3C363C892}" type="datetimeFigureOut">
               <a:rPr lang="en-US" noProof="0" smtClean="0"/>
-              <a:t>1/1/2025</a:t>
+              <a:t>1/2/2025</a:t>
             </a:fld>
             <a:endParaRPr lang="en-US" noProof="0" dirty="0"/>
           </a:p>
@@ -10687,7 +10687,19 @@
               <a:rPr lang="en-US" sz="1200" dirty="0">
                 <a:latin typeface="+mn-lt"/>
               </a:rPr>
-              <a:t>. (n.d.). Retrieved January 31, 2024, from </a:t>
+              <a:t>. (n.d.). </a:t>
+            </a:r>
+            <a:r>
+              <a:rPr lang="en-US" sz="1200">
+                <a:latin typeface="+mn-lt"/>
+              </a:rPr>
+              <a:t>Retrieved December </a:t>
+            </a:r>
+            <a:r>
+              <a:rPr lang="en-US" sz="1200" dirty="0">
+                <a:latin typeface="+mn-lt"/>
+              </a:rPr>
+              <a:t>31, 2024, from </a:t>
             </a:r>
           </a:p>
           <a:p>
@@ -12476,15 +12488,6 @@
           <a:solidFill>
             <a:srgbClr val="FFFFFF"/>
           </a:solidFill>
-          <a:extLst>
-            <a:ext uri="{909E8E84-426E-40DD-AFC4-6F175D3DCCD1}">
-              <a14:hiddenFill xmlns:a14="http://schemas.microsoft.com/office/drawing/2010/main">
-                <a:solidFill>
-                  <a:srgbClr val="FFFFFF"/>
-                </a:solidFill>
-              </a14:hiddenFill>
-            </a:ext>
-          </a:extLst>
         </p:spPr>
       </p:pic>
     </p:spTree>
@@ -14231,6 +14234,15 @@
 </file>
 
 <file path=customXml/item1.xml><?xml version="1.0" encoding="utf-8"?>
+<?mso-contentType ?>
+<FormTemplates xmlns="http://schemas.microsoft.com/sharepoint/v3/contenttype/forms">
+  <Display>DocumentLibraryForm</Display>
+  <Edit>DocumentLibraryForm</Edit>
+  <New>DocumentLibraryForm</New>
+</FormTemplates>
+</file>
+
+<file path=customXml/item2.xml><?xml version="1.0" encoding="utf-8"?>
 <p:properties xmlns:p="http://schemas.microsoft.com/office/2006/metadata/properties" xmlns:xsi="http://www.w3.org/2001/XMLSchema-instance" xmlns:pc="http://schemas.microsoft.com/office/infopath/2007/PartnerControls">
   <documentManagement>
     <_ip_UnifiedCompliancePolicyUIAction xmlns="http://schemas.microsoft.com/sharepoint/v3" xsi:nil="true"/>
@@ -14248,15 +14260,6 @@
     <MediaServiceKeyPoints xmlns="71af3243-3dd4-4a8d-8c0d-dd76da1f02a5" xsi:nil="true"/>
   </documentManagement>
 </p:properties>
-</file>
-
-<file path=customXml/item2.xml><?xml version="1.0" encoding="utf-8"?>
-<?mso-contentType ?>
-<FormTemplates xmlns="http://schemas.microsoft.com/sharepoint/v3/contenttype/forms">
-  <Display>DocumentLibraryForm</Display>
-  <Edit>DocumentLibraryForm</Edit>
-  <New>DocumentLibraryForm</New>
-</FormTemplates>
 </file>
 
 <file path=customXml/item3.xml><?xml version="1.0" encoding="utf-8"?>
@@ -14548,6 +14551,14 @@
 </file>
 
 <file path=customXml/itemProps1.xml><?xml version="1.0" encoding="utf-8"?>
+<ds:datastoreItem xmlns:ds="http://schemas.openxmlformats.org/officeDocument/2006/customXml" ds:itemID="{25B4CAA5-BE7A-46AB-97ED-63B24C46A3A8}">
+  <ds:schemaRefs>
+    <ds:schemaRef ds:uri="http://schemas.microsoft.com/sharepoint/v3/contenttype/forms"/>
+  </ds:schemaRefs>
+</ds:datastoreItem>
+</file>
+
+<file path=customXml/itemProps2.xml><?xml version="1.0" encoding="utf-8"?>
 <ds:datastoreItem xmlns:ds="http://schemas.openxmlformats.org/officeDocument/2006/customXml" ds:itemID="{411F98F7-6576-47F1-AD63-56E26C339747}">
   <ds:schemaRefs>
     <ds:schemaRef ds:uri="http://schemas.microsoft.com/office/2006/metadata/properties"/>
@@ -14555,14 +14566,6 @@
     <ds:schemaRef ds:uri="http://schemas.microsoft.com/sharepoint/v3"/>
     <ds:schemaRef ds:uri="71af3243-3dd4-4a8d-8c0d-dd76da1f02a5"/>
     <ds:schemaRef ds:uri="230e9df3-be65-4c73-a93b-d1236ebd677e"/>
-  </ds:schemaRefs>
-</ds:datastoreItem>
-</file>
-
-<file path=customXml/itemProps2.xml><?xml version="1.0" encoding="utf-8"?>
-<ds:datastoreItem xmlns:ds="http://schemas.openxmlformats.org/officeDocument/2006/customXml" ds:itemID="{25B4CAA5-BE7A-46AB-97ED-63B24C46A3A8}">
-  <ds:schemaRefs>
-    <ds:schemaRef ds:uri="http://schemas.microsoft.com/sharepoint/v3/contenttype/forms"/>
   </ds:schemaRefs>
 </ds:datastoreItem>
 </file>
